--- a/Developer Tools & Final Project/Git_VEs_Docker.pptx
+++ b/Developer Tools & Final Project/Git_VEs_Docker.pptx
@@ -207,7 +207,7 @@
           <a:p>
             <a:fld id="{08CFCC02-43B6-1140-8197-8C10C084F446}" type="datetimeFigureOut">
               <a:rPr lang="en-US" smtClean="0"/>
-              <a:t>6/21/21</a:t>
+              <a:t>12/7/21</a:t>
             </a:fld>
             <a:endParaRPr lang="en-US"/>
           </a:p>
@@ -722,7 +722,7 @@
           <a:p>
             <a:fld id="{B5898F52-2787-4BA2-BBBC-9395E9F86D50}" type="datetimeFigureOut">
               <a:rPr lang="en-US" smtClean="0"/>
-              <a:t>6/21/21</a:t>
+              <a:t>12/7/21</a:t>
             </a:fld>
             <a:endParaRPr lang="en-US"/>
           </a:p>
@@ -892,7 +892,7 @@
           <a:p>
             <a:fld id="{B5898F52-2787-4BA2-BBBC-9395E9F86D50}" type="datetimeFigureOut">
               <a:rPr lang="en-US" smtClean="0"/>
-              <a:t>6/21/21</a:t>
+              <a:t>12/7/21</a:t>
             </a:fld>
             <a:endParaRPr lang="en-US"/>
           </a:p>
@@ -1072,7 +1072,7 @@
           <a:p>
             <a:fld id="{B5898F52-2787-4BA2-BBBC-9395E9F86D50}" type="datetimeFigureOut">
               <a:rPr lang="en-US" smtClean="0"/>
-              <a:t>6/21/21</a:t>
+              <a:t>12/7/21</a:t>
             </a:fld>
             <a:endParaRPr lang="en-US"/>
           </a:p>
@@ -1242,7 +1242,7 @@
           <a:p>
             <a:fld id="{B5898F52-2787-4BA2-BBBC-9395E9F86D50}" type="datetimeFigureOut">
               <a:rPr lang="en-US" smtClean="0"/>
-              <a:t>6/21/21</a:t>
+              <a:t>12/7/21</a:t>
             </a:fld>
             <a:endParaRPr lang="en-US"/>
           </a:p>
@@ -1510,7 +1510,7 @@
           <a:p>
             <a:fld id="{B5898F52-2787-4BA2-BBBC-9395E9F86D50}" type="datetimeFigureOut">
               <a:rPr lang="en-US" smtClean="0"/>
-              <a:t>6/21/21</a:t>
+              <a:t>12/7/21</a:t>
             </a:fld>
             <a:endParaRPr lang="en-US"/>
           </a:p>
@@ -1742,7 +1742,7 @@
           <a:p>
             <a:fld id="{B5898F52-2787-4BA2-BBBC-9395E9F86D50}" type="datetimeFigureOut">
               <a:rPr lang="en-US" smtClean="0"/>
-              <a:t>6/21/21</a:t>
+              <a:t>12/7/21</a:t>
             </a:fld>
             <a:endParaRPr lang="en-US"/>
           </a:p>
@@ -2098,7 +2098,7 @@
             <a:fld id="{B5898F52-2787-4BA2-BBBC-9395E9F86D50}" type="datetimeFigureOut">
               <a:rPr lang="en-US" smtClean="0"/>
               <a:pPr/>
-              <a:t>6/21/21</a:t>
+              <a:t>12/7/21</a:t>
             </a:fld>
             <a:endParaRPr lang="en-US" dirty="0"/>
           </a:p>
@@ -2240,7 +2240,7 @@
           <a:p>
             <a:fld id="{B5898F52-2787-4BA2-BBBC-9395E9F86D50}" type="datetimeFigureOut">
               <a:rPr lang="en-US" smtClean="0"/>
-              <a:t>6/21/21</a:t>
+              <a:t>12/7/21</a:t>
             </a:fld>
             <a:endParaRPr lang="en-US"/>
           </a:p>
@@ -2335,7 +2335,7 @@
           <a:p>
             <a:fld id="{B5898F52-2787-4BA2-BBBC-9395E9F86D50}" type="datetimeFigureOut">
               <a:rPr lang="en-US" smtClean="0"/>
-              <a:t>6/21/21</a:t>
+              <a:t>12/7/21</a:t>
             </a:fld>
             <a:endParaRPr lang="en-US"/>
           </a:p>
@@ -2692,7 +2692,7 @@
           <a:p>
             <a:fld id="{B5898F52-2787-4BA2-BBBC-9395E9F86D50}" type="datetimeFigureOut">
               <a:rPr lang="en-US" smtClean="0"/>
-              <a:t>6/21/21</a:t>
+              <a:t>12/7/21</a:t>
             </a:fld>
             <a:endParaRPr lang="en-US"/>
           </a:p>
@@ -3048,7 +3048,7 @@
           <a:p>
             <a:fld id="{B5898F52-2787-4BA2-BBBC-9395E9F86D50}" type="datetimeFigureOut">
               <a:rPr lang="en-US" smtClean="0"/>
-              <a:t>6/21/21</a:t>
+              <a:t>12/7/21</a:t>
             </a:fld>
             <a:endParaRPr lang="en-US"/>
           </a:p>
@@ -3289,7 +3289,7 @@
             <a:fld id="{B5898F52-2787-4BA2-BBBC-9395E9F86D50}" type="datetimeFigureOut">
               <a:rPr lang="en-US" smtClean="0"/>
               <a:pPr/>
-              <a:t>6/21/21</a:t>
+              <a:t>12/7/21</a:t>
             </a:fld>
             <a:endParaRPr lang="en-US" dirty="0"/>
           </a:p>
